--- a/slides/week6.pptx
+++ b/slides/week6.pptx
@@ -7511,14 +7511,91 @@
           </a:p>
           <a:p>
             <a:r>
+              <a:rPr lang="zh-CN" altLang="en-US" sz="2600" dirty="0">
+                <a:solidFill>
+                  <a:srgbClr val="000000"/>
+                </a:solidFill>
+                <a:latin typeface="-apple-system"/>
+              </a:rPr>
+              <a:t>研究和实现</a:t>
+            </a:r>
+            <a:r>
               <a:rPr lang="en-US" altLang="zh-CN" sz="2600" dirty="0">
                 <a:solidFill>
                   <a:srgbClr val="000000"/>
                 </a:solidFill>
                 <a:latin typeface="-apple-system"/>
               </a:rPr>
+              <a:t>EEVDF</a:t>
+            </a:r>
+            <a:r>
+              <a:rPr lang="zh-CN" altLang="en-US" sz="2600" dirty="0">
+                <a:solidFill>
+                  <a:srgbClr val="000000"/>
+                </a:solidFill>
+                <a:latin typeface="-apple-system"/>
+              </a:rPr>
+              <a:t>算法</a:t>
+            </a:r>
+            <a:endParaRPr lang="en-US" altLang="zh-CN" sz="2600" dirty="0">
+              <a:solidFill>
+                <a:srgbClr val="000000"/>
+              </a:solidFill>
+              <a:latin typeface="-apple-system"/>
+            </a:endParaRPr>
+          </a:p>
+          <a:p>
+            <a:r>
+              <a:rPr lang="en-US" altLang="zh-CN" sz="2600" dirty="0">
+                <a:solidFill>
+                  <a:srgbClr val="000000"/>
+                </a:solidFill>
+                <a:latin typeface="-apple-system"/>
+              </a:rPr>
               <a:t>……</a:t>
             </a:r>
+          </a:p>
+          <a:p>
+            <a:endParaRPr lang="en-US" altLang="zh-CN" sz="2600" dirty="0">
+              <a:solidFill>
+                <a:srgbClr val="000000"/>
+              </a:solidFill>
+              <a:latin typeface="-apple-system"/>
+            </a:endParaRPr>
+          </a:p>
+          <a:p>
+            <a:r>
+              <a:rPr lang="zh-CN" altLang="en-US" sz="2600" dirty="0">
+                <a:solidFill>
+                  <a:srgbClr val="000000"/>
+                </a:solidFill>
+                <a:latin typeface="-apple-system"/>
+              </a:rPr>
+              <a:t>内存分配算法</a:t>
+            </a:r>
+            <a:endParaRPr lang="en-US" altLang="zh-CN" sz="2600" dirty="0">
+              <a:solidFill>
+                <a:srgbClr val="000000"/>
+              </a:solidFill>
+              <a:latin typeface="-apple-system"/>
+            </a:endParaRPr>
+          </a:p>
+          <a:p>
+            <a:r>
+              <a:rPr lang="zh-CN" altLang="en-US" sz="2600">
+                <a:solidFill>
+                  <a:srgbClr val="000000"/>
+                </a:solidFill>
+                <a:latin typeface="-apple-system"/>
+              </a:rPr>
+              <a:t>先做单核的</a:t>
+            </a:r>
+            <a:endParaRPr lang="en-US" altLang="zh-CN" sz="2600" dirty="0">
+              <a:solidFill>
+                <a:srgbClr val="000000"/>
+              </a:solidFill>
+              <a:latin typeface="-apple-system"/>
+            </a:endParaRPr>
           </a:p>
           <a:p>
             <a:endParaRPr lang="en-US" altLang="zh-CN" sz="2800" b="0" i="0" dirty="0">
